--- a/images/record/OpenStack_Rocky_Install_Kolla-Ansible_Ubuntu_18.04_ODROID-H2_Cluster/OpenStack_Rocky_Install_Ansible_Ubuntu_18.04_ODROID-H2_Cluster.pptx
+++ b/images/record/OpenStack_Rocky_Install_Kolla-Ansible_Ubuntu_18.04_ODROID-H2_Cluster/OpenStack_Rocky_Install_Ansible_Ubuntu_18.04_ODROID-H2_Cluster.pptx
@@ -213,7 +213,7 @@
           <a:p>
             <a:fld id="{6CD5550B-26C4-49A9-A5BA-636EF7BE6CE9}" type="datetimeFigureOut">
               <a:rPr lang="ko-KR" altLang="en-US" smtClean="0"/>
-              <a:t>2019-07-09</a:t>
+              <a:t>2019-07-14</a:t>
             </a:fld>
             <a:endParaRPr lang="ko-KR" altLang="en-US"/>
           </a:p>
@@ -743,7 +743,7 @@
           <a:p>
             <a:fld id="{FB30EDBD-1C2D-4C1E-B459-B60219FAB484}" type="datetimeFigureOut">
               <a:rPr lang="ko-KR" altLang="en-US" smtClean="0"/>
-              <a:t>2019-07-09</a:t>
+              <a:t>2019-07-14</a:t>
             </a:fld>
             <a:endParaRPr lang="ko-KR" altLang="en-US"/>
           </a:p>
@@ -906,7 +906,7 @@
           <a:p>
             <a:fld id="{FB30EDBD-1C2D-4C1E-B459-B60219FAB484}" type="datetimeFigureOut">
               <a:rPr lang="ko-KR" altLang="en-US" smtClean="0"/>
-              <a:t>2019-07-09</a:t>
+              <a:t>2019-07-14</a:t>
             </a:fld>
             <a:endParaRPr lang="ko-KR" altLang="en-US"/>
           </a:p>
@@ -1079,7 +1079,7 @@
           <a:p>
             <a:fld id="{FB30EDBD-1C2D-4C1E-B459-B60219FAB484}" type="datetimeFigureOut">
               <a:rPr lang="ko-KR" altLang="en-US" smtClean="0"/>
-              <a:t>2019-07-09</a:t>
+              <a:t>2019-07-14</a:t>
             </a:fld>
             <a:endParaRPr lang="ko-KR" altLang="en-US"/>
           </a:p>
@@ -1242,7 +1242,7 @@
           <a:p>
             <a:fld id="{FB30EDBD-1C2D-4C1E-B459-B60219FAB484}" type="datetimeFigureOut">
               <a:rPr lang="ko-KR" altLang="en-US" smtClean="0"/>
-              <a:t>2019-07-09</a:t>
+              <a:t>2019-07-14</a:t>
             </a:fld>
             <a:endParaRPr lang="ko-KR" altLang="en-US"/>
           </a:p>
@@ -1482,7 +1482,7 @@
           <a:p>
             <a:fld id="{FB30EDBD-1C2D-4C1E-B459-B60219FAB484}" type="datetimeFigureOut">
               <a:rPr lang="ko-KR" altLang="en-US" smtClean="0"/>
-              <a:t>2019-07-09</a:t>
+              <a:t>2019-07-14</a:t>
             </a:fld>
             <a:endParaRPr lang="ko-KR" altLang="en-US"/>
           </a:p>
@@ -1762,7 +1762,7 @@
           <a:p>
             <a:fld id="{FB30EDBD-1C2D-4C1E-B459-B60219FAB484}" type="datetimeFigureOut">
               <a:rPr lang="ko-KR" altLang="en-US" smtClean="0"/>
-              <a:t>2019-07-09</a:t>
+              <a:t>2019-07-14</a:t>
             </a:fld>
             <a:endParaRPr lang="ko-KR" altLang="en-US"/>
           </a:p>
@@ -2176,7 +2176,7 @@
           <a:p>
             <a:fld id="{FB30EDBD-1C2D-4C1E-B459-B60219FAB484}" type="datetimeFigureOut">
               <a:rPr lang="ko-KR" altLang="en-US" smtClean="0"/>
-              <a:t>2019-07-09</a:t>
+              <a:t>2019-07-14</a:t>
             </a:fld>
             <a:endParaRPr lang="ko-KR" altLang="en-US"/>
           </a:p>
@@ -2288,7 +2288,7 @@
           <a:p>
             <a:fld id="{FB30EDBD-1C2D-4C1E-B459-B60219FAB484}" type="datetimeFigureOut">
               <a:rPr lang="ko-KR" altLang="en-US" smtClean="0"/>
-              <a:t>2019-07-09</a:t>
+              <a:t>2019-07-14</a:t>
             </a:fld>
             <a:endParaRPr lang="ko-KR" altLang="en-US"/>
           </a:p>
@@ -2378,7 +2378,7 @@
           <a:p>
             <a:fld id="{FB30EDBD-1C2D-4C1E-B459-B60219FAB484}" type="datetimeFigureOut">
               <a:rPr lang="ko-KR" altLang="en-US" smtClean="0"/>
-              <a:t>2019-07-09</a:t>
+              <a:t>2019-07-14</a:t>
             </a:fld>
             <a:endParaRPr lang="ko-KR" altLang="en-US"/>
           </a:p>
@@ -2648,7 +2648,7 @@
           <a:p>
             <a:fld id="{FB30EDBD-1C2D-4C1E-B459-B60219FAB484}" type="datetimeFigureOut">
               <a:rPr lang="ko-KR" altLang="en-US" smtClean="0"/>
-              <a:t>2019-07-09</a:t>
+              <a:t>2019-07-14</a:t>
             </a:fld>
             <a:endParaRPr lang="ko-KR" altLang="en-US"/>
           </a:p>
@@ -2895,7 +2895,7 @@
           <a:p>
             <a:fld id="{FB30EDBD-1C2D-4C1E-B459-B60219FAB484}" type="datetimeFigureOut">
               <a:rPr lang="ko-KR" altLang="en-US" smtClean="0"/>
-              <a:t>2019-07-09</a:t>
+              <a:t>2019-07-14</a:t>
             </a:fld>
             <a:endParaRPr lang="ko-KR" altLang="en-US"/>
           </a:p>
@@ -3101,7 +3101,7 @@
           <a:p>
             <a:fld id="{FB30EDBD-1C2D-4C1E-B459-B60219FAB484}" type="datetimeFigureOut">
               <a:rPr lang="ko-KR" altLang="en-US" smtClean="0"/>
-              <a:t>2019-07-09</a:t>
+              <a:t>2019-07-14</a:t>
             </a:fld>
             <a:endParaRPr lang="ko-KR" altLang="en-US"/>
           </a:p>
@@ -3579,18 +3579,14 @@
           </a:fontRef>
         </p:style>
         <p:txBody>
-          <a:bodyPr rtlCol="0" anchor="t"/>
+          <a:bodyPr rtlCol="0" anchor="ctr"/>
           <a:lstStyle/>
           <a:p>
             <a:pPr algn="ctr"/>
             <a:r>
               <a:rPr lang="en-US" altLang="ko-KR" sz="1200"/>
-              <a:t>enp0s2 192.168.0.30</a:t>
-            </a:r>
-            <a:endParaRPr lang="en-US" altLang="ko-KR" sz="1200" dirty="0"/>
-          </a:p>
-          <a:p>
-            <a:pPr algn="ctr"/>
+              <a:t>enp0s2</a:t>
+            </a:r>
             <a:endParaRPr lang="ko-KR" altLang="en-US" sz="1100" dirty="0"/>
           </a:p>
         </p:txBody>
@@ -3742,7 +3738,7 @@
           </a:fontRef>
         </p:style>
         <p:txBody>
-          <a:bodyPr rtlCol="0" anchor="t"/>
+          <a:bodyPr rtlCol="0" anchor="ctr"/>
           <a:lstStyle/>
           <a:p>
             <a:pPr algn="ctr"/>
@@ -3751,18 +3747,6 @@
               <a:t>enp0s2</a:t>
             </a:r>
             <a:endParaRPr lang="en-US" altLang="ko-KR" sz="1200" dirty="0"/>
-          </a:p>
-          <a:p>
-            <a:pPr algn="ctr"/>
-            <a:r>
-              <a:rPr lang="en-US" altLang="ko-KR" sz="1200"/>
-              <a:t>192.168.0.31</a:t>
-            </a:r>
-            <a:endParaRPr lang="en-US" altLang="ko-KR" sz="1200" dirty="0"/>
-          </a:p>
-          <a:p>
-            <a:pPr algn="ctr"/>
-            <a:endParaRPr lang="ko-KR" altLang="en-US" sz="1100" dirty="0"/>
           </a:p>
         </p:txBody>
       </p:sp>
@@ -3919,7 +3903,7 @@
           </a:fontRef>
         </p:style>
         <p:txBody>
-          <a:bodyPr rtlCol="0" anchor="t"/>
+          <a:bodyPr rtlCol="0" anchor="ctr"/>
           <a:lstStyle/>
           <a:p>
             <a:pPr algn="ctr"/>
@@ -3928,18 +3912,6 @@
               <a:t>enp0s2</a:t>
             </a:r>
             <a:endParaRPr lang="en-US" altLang="ko-KR" sz="1200" dirty="0"/>
-          </a:p>
-          <a:p>
-            <a:pPr algn="ctr"/>
-            <a:r>
-              <a:rPr lang="en-US" altLang="ko-KR" sz="1200"/>
-              <a:t>192.168.0.32</a:t>
-            </a:r>
-            <a:endParaRPr lang="en-US" altLang="ko-KR" sz="1200" dirty="0"/>
-          </a:p>
-          <a:p>
-            <a:pPr algn="ctr"/>
-            <a:endParaRPr lang="ko-KR" altLang="en-US" sz="1100" dirty="0"/>
           </a:p>
         </p:txBody>
       </p:sp>
@@ -4682,7 +4654,7 @@
             <a:pPr algn="ctr"/>
             <a:r>
               <a:rPr lang="en-US" altLang="ko-KR" sz="1200"/>
-              <a:t>NAT Network</a:t>
+              <a:t>Outter NAT Network</a:t>
             </a:r>
           </a:p>
           <a:p>
@@ -4760,7 +4732,7 @@
             <a:pPr algn="ctr"/>
             <a:r>
               <a:rPr lang="en-US" altLang="ko-KR" sz="1200"/>
-              <a:t>Private Network</a:t>
+              <a:t>Inner NAT Network</a:t>
             </a:r>
             <a:endParaRPr lang="en-US" altLang="ko-KR" sz="1200" dirty="0"/>
           </a:p>
@@ -4899,7 +4871,7 @@
         <p:spPr>
           <a:xfrm flipH="1" flipV="1">
             <a:off x="2355428" y="3939902"/>
-            <a:ext cx="826353" cy="366564"/>
+            <a:ext cx="826353" cy="606775"/>
           </a:xfrm>
           <a:prstGeom prst="line">
             <a:avLst/>
@@ -4944,7 +4916,7 @@
         <p:spPr>
           <a:xfrm flipV="1">
             <a:off x="5962219" y="3795886"/>
-            <a:ext cx="832300" cy="510580"/>
+            <a:ext cx="832300" cy="750791"/>
           </a:xfrm>
           <a:prstGeom prst="line">
             <a:avLst/>
@@ -4984,7 +4956,7 @@
         </p:nvSpPr>
         <p:spPr>
           <a:xfrm>
-            <a:off x="3108612" y="3429001"/>
+            <a:off x="3108612" y="3669212"/>
             <a:ext cx="2926777" cy="1206794"/>
           </a:xfrm>
           <a:prstGeom prst="roundRect">
@@ -5038,7 +5010,7 @@
         </p:nvSpPr>
         <p:spPr>
           <a:xfrm>
-            <a:off x="3181781" y="4054438"/>
+            <a:off x="3181781" y="4294649"/>
             <a:ext cx="1350348" cy="504056"/>
           </a:xfrm>
           <a:prstGeom prst="roundRect">
@@ -5100,7 +5072,7 @@
         </p:nvSpPr>
         <p:spPr>
           <a:xfrm>
-            <a:off x="4620297" y="4054438"/>
+            <a:off x="4620297" y="4294649"/>
             <a:ext cx="1341922" cy="504056"/>
           </a:xfrm>
           <a:prstGeom prst="roundRect">
@@ -5148,6 +5120,49 @@
           </a:p>
         </p:txBody>
       </p:sp>
+      <p:cxnSp>
+        <p:nvCxnSpPr>
+          <p:cNvPr id="47" name="직선 연결선 46">
+            <a:extLst>
+              <a:ext uri="{FF2B5EF4-FFF2-40B4-BE49-F238E27FC236}">
+                <a16:creationId xmlns:a16="http://schemas.microsoft.com/office/drawing/2014/main" id="{A2EAEFC6-E644-46CF-9E54-B766C3F35885}"/>
+              </a:ext>
+            </a:extLst>
+          </p:cNvPr>
+          <p:cNvCxnSpPr>
+            <a:cxnSpLocks/>
+          </p:cNvCxnSpPr>
+          <p:nvPr/>
+        </p:nvCxnSpPr>
+        <p:spPr>
+          <a:xfrm flipH="1">
+            <a:off x="2355428" y="3579862"/>
+            <a:ext cx="4439092" cy="0"/>
+          </a:xfrm>
+          <a:prstGeom prst="line">
+            <a:avLst/>
+          </a:prstGeom>
+          <a:ln w="28575">
+            <a:solidFill>
+              <a:schemeClr val="tx1"/>
+            </a:solidFill>
+          </a:ln>
+        </p:spPr>
+        <p:style>
+          <a:lnRef idx="1">
+            <a:schemeClr val="accent1"/>
+          </a:lnRef>
+          <a:fillRef idx="0">
+            <a:schemeClr val="accent1"/>
+          </a:fillRef>
+          <a:effectRef idx="0">
+            <a:schemeClr val="accent1"/>
+          </a:effectRef>
+          <a:fontRef idx="minor">
+            <a:schemeClr val="tx1"/>
+          </a:fontRef>
+        </p:style>
+      </p:cxnSp>
     </p:spTree>
     <p:extLst>
       <p:ext uri="{BB962C8B-B14F-4D97-AF65-F5344CB8AC3E}">

--- a/images/record/OpenStack_Rocky_Install_Kolla-Ansible_Ubuntu_18.04_ODROID-H2_Cluster/OpenStack_Rocky_Install_Ansible_Ubuntu_18.04_ODROID-H2_Cluster.pptx
+++ b/images/record/OpenStack_Rocky_Install_Kolla-Ansible_Ubuntu_18.04_ODROID-H2_Cluster/OpenStack_Rocky_Install_Ansible_Ubuntu_18.04_ODROID-H2_Cluster.pptx
@@ -5,10 +5,12 @@
     <p:sldMasterId id="2147483648" r:id="rId1"/>
   </p:sldMasterIdLst>
   <p:notesMasterIdLst>
-    <p:notesMasterId r:id="rId3"/>
+    <p:notesMasterId r:id="rId5"/>
   </p:notesMasterIdLst>
   <p:sldIdLst>
-    <p:sldId id="390" r:id="rId2"/>
+    <p:sldId id="402" r:id="rId2"/>
+    <p:sldId id="391" r:id="rId3"/>
+    <p:sldId id="390" r:id="rId4"/>
   </p:sldIdLst>
   <p:sldSz cx="9144000" cy="5143500" type="screen16x9"/>
   <p:notesSz cx="6858000" cy="9144000"/>
@@ -213,7 +215,7 @@
           <a:p>
             <a:fld id="{6CD5550B-26C4-49A9-A5BA-636EF7BE6CE9}" type="datetimeFigureOut">
               <a:rPr lang="ko-KR" altLang="en-US" smtClean="0"/>
-              <a:t>2019-07-14</a:t>
+              <a:t>2019-07-16</a:t>
             </a:fld>
             <a:endParaRPr lang="ko-KR" altLang="en-US"/>
           </a:p>
@@ -554,6 +556,90 @@
     </p:spTree>
     <p:extLst>
       <p:ext uri="{BB962C8B-B14F-4D97-AF65-F5344CB8AC3E}">
+        <p14:creationId xmlns:p14="http://schemas.microsoft.com/office/powerpoint/2010/main" val="33779689"/>
+      </p:ext>
+    </p:extLst>
+  </p:cSld>
+  <p:clrMapOvr>
+    <a:masterClrMapping/>
+  </p:clrMapOvr>
+</p:notes>
+</file>
+
+<file path=ppt/notesSlides/notesSlide2.xml><?xml version="1.0" encoding="utf-8"?>
+<p:notes xmlns:a="http://schemas.openxmlformats.org/drawingml/2006/main" xmlns:r="http://schemas.openxmlformats.org/officeDocument/2006/relationships" xmlns:p="http://schemas.openxmlformats.org/presentationml/2006/main">
+  <p:cSld>
+    <p:spTree>
+      <p:nvGrpSpPr>
+        <p:cNvPr id="1" name=""/>
+        <p:cNvGrpSpPr/>
+        <p:nvPr/>
+      </p:nvGrpSpPr>
+      <p:grpSpPr>
+        <a:xfrm>
+          <a:off x="0" y="0"/>
+          <a:ext cx="0" cy="0"/>
+          <a:chOff x="0" y="0"/>
+          <a:chExt cx="0" cy="0"/>
+        </a:xfrm>
+      </p:grpSpPr>
+      <p:sp>
+        <p:nvSpPr>
+          <p:cNvPr id="2" name="슬라이드 이미지 개체 틀 1"/>
+          <p:cNvSpPr>
+            <a:spLocks noGrp="1" noRot="1" noChangeAspect="1"/>
+          </p:cNvSpPr>
+          <p:nvPr>
+            <p:ph type="sldImg"/>
+          </p:nvPr>
+        </p:nvSpPr>
+        <p:spPr/>
+      </p:sp>
+      <p:sp>
+        <p:nvSpPr>
+          <p:cNvPr id="3" name="슬라이드 노트 개체 틀 2"/>
+          <p:cNvSpPr>
+            <a:spLocks noGrp="1"/>
+          </p:cNvSpPr>
+          <p:nvPr>
+            <p:ph type="body" idx="1"/>
+          </p:nvPr>
+        </p:nvSpPr>
+        <p:spPr/>
+        <p:txBody>
+          <a:bodyPr/>
+          <a:lstStyle/>
+          <a:p>
+            <a:endParaRPr lang="ko-KR" altLang="en-US" dirty="0"/>
+          </a:p>
+        </p:txBody>
+      </p:sp>
+      <p:sp>
+        <p:nvSpPr>
+          <p:cNvPr id="4" name="슬라이드 번호 개체 틀 3"/>
+          <p:cNvSpPr>
+            <a:spLocks noGrp="1"/>
+          </p:cNvSpPr>
+          <p:nvPr>
+            <p:ph type="sldNum" sz="quarter" idx="10"/>
+          </p:nvPr>
+        </p:nvSpPr>
+        <p:spPr/>
+        <p:txBody>
+          <a:bodyPr/>
+          <a:lstStyle/>
+          <a:p>
+            <a:fld id="{BA5DFA43-8D57-47FB-BC46-057616015C3B}" type="slidenum">
+              <a:rPr lang="ko-KR" altLang="en-US" smtClean="0"/>
+              <a:t>3</a:t>
+            </a:fld>
+            <a:endParaRPr lang="ko-KR" altLang="en-US"/>
+          </a:p>
+        </p:txBody>
+      </p:sp>
+    </p:spTree>
+    <p:extLst>
+      <p:ext uri="{BB962C8B-B14F-4D97-AF65-F5344CB8AC3E}">
         <p14:creationId xmlns:p14="http://schemas.microsoft.com/office/powerpoint/2010/main" val="687484902"/>
       </p:ext>
     </p:extLst>
@@ -743,7 +829,7 @@
           <a:p>
             <a:fld id="{FB30EDBD-1C2D-4C1E-B459-B60219FAB484}" type="datetimeFigureOut">
               <a:rPr lang="ko-KR" altLang="en-US" smtClean="0"/>
-              <a:t>2019-07-14</a:t>
+              <a:t>2019-07-16</a:t>
             </a:fld>
             <a:endParaRPr lang="ko-KR" altLang="en-US"/>
           </a:p>
@@ -906,7 +992,7 @@
           <a:p>
             <a:fld id="{FB30EDBD-1C2D-4C1E-B459-B60219FAB484}" type="datetimeFigureOut">
               <a:rPr lang="ko-KR" altLang="en-US" smtClean="0"/>
-              <a:t>2019-07-14</a:t>
+              <a:t>2019-07-16</a:t>
             </a:fld>
             <a:endParaRPr lang="ko-KR" altLang="en-US"/>
           </a:p>
@@ -1079,7 +1165,7 @@
           <a:p>
             <a:fld id="{FB30EDBD-1C2D-4C1E-B459-B60219FAB484}" type="datetimeFigureOut">
               <a:rPr lang="ko-KR" altLang="en-US" smtClean="0"/>
-              <a:t>2019-07-14</a:t>
+              <a:t>2019-07-16</a:t>
             </a:fld>
             <a:endParaRPr lang="ko-KR" altLang="en-US"/>
           </a:p>
@@ -1242,7 +1328,7 @@
           <a:p>
             <a:fld id="{FB30EDBD-1C2D-4C1E-B459-B60219FAB484}" type="datetimeFigureOut">
               <a:rPr lang="ko-KR" altLang="en-US" smtClean="0"/>
-              <a:t>2019-07-14</a:t>
+              <a:t>2019-07-16</a:t>
             </a:fld>
             <a:endParaRPr lang="ko-KR" altLang="en-US"/>
           </a:p>
@@ -1482,7 +1568,7 @@
           <a:p>
             <a:fld id="{FB30EDBD-1C2D-4C1E-B459-B60219FAB484}" type="datetimeFigureOut">
               <a:rPr lang="ko-KR" altLang="en-US" smtClean="0"/>
-              <a:t>2019-07-14</a:t>
+              <a:t>2019-07-16</a:t>
             </a:fld>
             <a:endParaRPr lang="ko-KR" altLang="en-US"/>
           </a:p>
@@ -1762,7 +1848,7 @@
           <a:p>
             <a:fld id="{FB30EDBD-1C2D-4C1E-B459-B60219FAB484}" type="datetimeFigureOut">
               <a:rPr lang="ko-KR" altLang="en-US" smtClean="0"/>
-              <a:t>2019-07-14</a:t>
+              <a:t>2019-07-16</a:t>
             </a:fld>
             <a:endParaRPr lang="ko-KR" altLang="en-US"/>
           </a:p>
@@ -2176,7 +2262,7 @@
           <a:p>
             <a:fld id="{FB30EDBD-1C2D-4C1E-B459-B60219FAB484}" type="datetimeFigureOut">
               <a:rPr lang="ko-KR" altLang="en-US" smtClean="0"/>
-              <a:t>2019-07-14</a:t>
+              <a:t>2019-07-16</a:t>
             </a:fld>
             <a:endParaRPr lang="ko-KR" altLang="en-US"/>
           </a:p>
@@ -2288,7 +2374,7 @@
           <a:p>
             <a:fld id="{FB30EDBD-1C2D-4C1E-B459-B60219FAB484}" type="datetimeFigureOut">
               <a:rPr lang="ko-KR" altLang="en-US" smtClean="0"/>
-              <a:t>2019-07-14</a:t>
+              <a:t>2019-07-16</a:t>
             </a:fld>
             <a:endParaRPr lang="ko-KR" altLang="en-US"/>
           </a:p>
@@ -2378,7 +2464,7 @@
           <a:p>
             <a:fld id="{FB30EDBD-1C2D-4C1E-B459-B60219FAB484}" type="datetimeFigureOut">
               <a:rPr lang="ko-KR" altLang="en-US" smtClean="0"/>
-              <a:t>2019-07-14</a:t>
+              <a:t>2019-07-16</a:t>
             </a:fld>
             <a:endParaRPr lang="ko-KR" altLang="en-US"/>
           </a:p>
@@ -2648,7 +2734,7 @@
           <a:p>
             <a:fld id="{FB30EDBD-1C2D-4C1E-B459-B60219FAB484}" type="datetimeFigureOut">
               <a:rPr lang="ko-KR" altLang="en-US" smtClean="0"/>
-              <a:t>2019-07-14</a:t>
+              <a:t>2019-07-16</a:t>
             </a:fld>
             <a:endParaRPr lang="ko-KR" altLang="en-US"/>
           </a:p>
@@ -2895,7 +2981,7 @@
           <a:p>
             <a:fld id="{FB30EDBD-1C2D-4C1E-B459-B60219FAB484}" type="datetimeFigureOut">
               <a:rPr lang="ko-KR" altLang="en-US" smtClean="0"/>
-              <a:t>2019-07-14</a:t>
+              <a:t>2019-07-16</a:t>
             </a:fld>
             <a:endParaRPr lang="ko-KR" altLang="en-US"/>
           </a:p>
@@ -3101,7 +3187,7 @@
           <a:p>
             <a:fld id="{FB30EDBD-1C2D-4C1E-B459-B60219FAB484}" type="datetimeFigureOut">
               <a:rPr lang="ko-KR" altLang="en-US" smtClean="0"/>
-              <a:t>2019-07-14</a:t>
+              <a:t>2019-07-16</a:t>
             </a:fld>
             <a:endParaRPr lang="ko-KR" altLang="en-US"/>
           </a:p>
@@ -3455,6 +3541,1816 @@
 </file>
 
 <file path=ppt/slides/slide1.xml><?xml version="1.0" encoding="utf-8"?>
+<p:sld xmlns:a="http://schemas.openxmlformats.org/drawingml/2006/main" xmlns:r="http://schemas.openxmlformats.org/officeDocument/2006/relationships" xmlns:p="http://schemas.openxmlformats.org/presentationml/2006/main">
+  <p:cSld>
+    <p:spTree>
+      <p:nvGrpSpPr>
+        <p:cNvPr id="1" name=""/>
+        <p:cNvGrpSpPr/>
+        <p:nvPr/>
+      </p:nvGrpSpPr>
+      <p:grpSpPr>
+        <a:xfrm>
+          <a:off x="0" y="0"/>
+          <a:ext cx="0" cy="0"/>
+          <a:chOff x="0" y="0"/>
+          <a:chExt cx="0" cy="0"/>
+        </a:xfrm>
+      </p:grpSpPr>
+      <p:sp>
+        <p:nvSpPr>
+          <p:cNvPr id="6" name="제목 1"/>
+          <p:cNvSpPr>
+            <a:spLocks noGrp="1"/>
+          </p:cNvSpPr>
+          <p:nvPr>
+            <p:ph type="title"/>
+          </p:nvPr>
+        </p:nvSpPr>
+        <p:spPr>
+          <a:xfrm>
+            <a:off x="457200" y="-20538"/>
+            <a:ext cx="8229600" cy="857250"/>
+          </a:xfrm>
+        </p:spPr>
+        <p:txBody>
+          <a:bodyPr>
+            <a:normAutofit/>
+          </a:bodyPr>
+          <a:lstStyle/>
+          <a:p>
+            <a:r>
+              <a:rPr lang="en-US" altLang="ko-KR"/>
+              <a:t>OpenStack</a:t>
+            </a:r>
+            <a:endParaRPr lang="ko-KR" altLang="en-US" dirty="0"/>
+          </a:p>
+        </p:txBody>
+      </p:sp>
+      <p:sp>
+        <p:nvSpPr>
+          <p:cNvPr id="14" name="모서리가 둥근 직사각형 13"/>
+          <p:cNvSpPr/>
+          <p:nvPr/>
+        </p:nvSpPr>
+        <p:spPr>
+          <a:xfrm>
+            <a:off x="113414" y="1412777"/>
+            <a:ext cx="3726891" cy="1699032"/>
+          </a:xfrm>
+          <a:prstGeom prst="roundRect">
+            <a:avLst>
+              <a:gd name="adj" fmla="val 6281"/>
+            </a:avLst>
+          </a:prstGeom>
+          <a:noFill/>
+        </p:spPr>
+        <p:style>
+          <a:lnRef idx="2">
+            <a:schemeClr val="dk1"/>
+          </a:lnRef>
+          <a:fillRef idx="1">
+            <a:schemeClr val="lt1"/>
+          </a:fillRef>
+          <a:effectRef idx="0">
+            <a:schemeClr val="dk1"/>
+          </a:effectRef>
+          <a:fontRef idx="minor">
+            <a:schemeClr val="dk1"/>
+          </a:fontRef>
+        </p:style>
+        <p:txBody>
+          <a:bodyPr rtlCol="0" anchor="t"/>
+          <a:lstStyle/>
+          <a:p>
+            <a:pPr algn="ctr"/>
+            <a:r>
+              <a:rPr lang="en-US" altLang="ko-KR" sz="1400" b="1"/>
+              <a:t>Node 01 : ODROID-H2</a:t>
+            </a:r>
+          </a:p>
+          <a:p>
+            <a:pPr algn="ctr"/>
+            <a:r>
+              <a:rPr lang="en-US" altLang="ko-KR" sz="1400" b="1"/>
+              <a:t>Controller, Network, Ceph</a:t>
+            </a:r>
+          </a:p>
+        </p:txBody>
+      </p:sp>
+      <p:sp>
+        <p:nvSpPr>
+          <p:cNvPr id="19" name="모서리가 둥근 직사각형 18"/>
+          <p:cNvSpPr/>
+          <p:nvPr/>
+        </p:nvSpPr>
+        <p:spPr>
+          <a:xfrm>
+            <a:off x="1394356" y="2535746"/>
+            <a:ext cx="1157442" cy="504056"/>
+          </a:xfrm>
+          <a:prstGeom prst="roundRect">
+            <a:avLst>
+              <a:gd name="adj" fmla="val 11578"/>
+            </a:avLst>
+          </a:prstGeom>
+          <a:noFill/>
+        </p:spPr>
+        <p:style>
+          <a:lnRef idx="2">
+            <a:schemeClr val="dk1"/>
+          </a:lnRef>
+          <a:fillRef idx="1">
+            <a:schemeClr val="lt1"/>
+          </a:fillRef>
+          <a:effectRef idx="0">
+            <a:schemeClr val="dk1"/>
+          </a:effectRef>
+          <a:fontRef idx="minor">
+            <a:schemeClr val="dk1"/>
+          </a:fontRef>
+        </p:style>
+        <p:txBody>
+          <a:bodyPr rtlCol="0" anchor="ctr"/>
+          <a:lstStyle/>
+          <a:p>
+            <a:pPr algn="ctr"/>
+            <a:r>
+              <a:rPr lang="en-US" altLang="ko-KR" sz="1100"/>
+              <a:t>enp0s2</a:t>
+            </a:r>
+          </a:p>
+          <a:p>
+            <a:pPr algn="ctr"/>
+            <a:r>
+              <a:rPr lang="en-US" altLang="ko-KR" sz="1100"/>
+              <a:t>192.168.0.31</a:t>
+            </a:r>
+            <a:endParaRPr lang="en-US" altLang="ko-KR" sz="1100" dirty="0"/>
+          </a:p>
+        </p:txBody>
+      </p:sp>
+      <p:sp>
+        <p:nvSpPr>
+          <p:cNvPr id="24" name="모서리가 둥근 직사각형 23"/>
+          <p:cNvSpPr/>
+          <p:nvPr/>
+        </p:nvSpPr>
+        <p:spPr>
+          <a:xfrm>
+            <a:off x="2627371" y="2535746"/>
+            <a:ext cx="1150220" cy="504056"/>
+          </a:xfrm>
+          <a:prstGeom prst="roundRect">
+            <a:avLst>
+              <a:gd name="adj" fmla="val 11578"/>
+            </a:avLst>
+          </a:prstGeom>
+          <a:noFill/>
+        </p:spPr>
+        <p:style>
+          <a:lnRef idx="2">
+            <a:schemeClr val="dk1"/>
+          </a:lnRef>
+          <a:fillRef idx="1">
+            <a:schemeClr val="lt1"/>
+          </a:fillRef>
+          <a:effectRef idx="0">
+            <a:schemeClr val="dk1"/>
+          </a:effectRef>
+          <a:fontRef idx="minor">
+            <a:schemeClr val="dk1"/>
+          </a:fontRef>
+        </p:style>
+        <p:txBody>
+          <a:bodyPr rtlCol="0" anchor="ctr"/>
+          <a:lstStyle/>
+          <a:p>
+            <a:pPr algn="ctr"/>
+            <a:r>
+              <a:rPr lang="en-US" altLang="ko-KR" sz="1100"/>
+              <a:t>enp0s3</a:t>
+            </a:r>
+            <a:endParaRPr lang="en-US" altLang="ko-KR" sz="1100" dirty="0"/>
+          </a:p>
+          <a:p>
+            <a:pPr algn="ctr"/>
+            <a:r>
+              <a:rPr lang="en-US" altLang="ko-KR" sz="1100"/>
+              <a:t>10.0.0.11</a:t>
+            </a:r>
+            <a:endParaRPr lang="en-US" altLang="ko-KR" sz="1100" dirty="0"/>
+          </a:p>
+        </p:txBody>
+      </p:sp>
+      <p:sp>
+        <p:nvSpPr>
+          <p:cNvPr id="29" name="모서리가 둥근 직사각형 13">
+            <a:extLst>
+              <a:ext uri="{FF2B5EF4-FFF2-40B4-BE49-F238E27FC236}">
+                <a16:creationId xmlns:a16="http://schemas.microsoft.com/office/drawing/2014/main" id="{CFF9E658-23F6-45A0-B280-5F33ABC9AAF8}"/>
+              </a:ext>
+            </a:extLst>
+          </p:cNvPr>
+          <p:cNvSpPr/>
+          <p:nvPr/>
+        </p:nvSpPr>
+        <p:spPr>
+          <a:xfrm>
+            <a:off x="3965739" y="1412777"/>
+            <a:ext cx="2508665" cy="1699032"/>
+          </a:xfrm>
+          <a:prstGeom prst="roundRect">
+            <a:avLst>
+              <a:gd name="adj" fmla="val 6281"/>
+            </a:avLst>
+          </a:prstGeom>
+          <a:noFill/>
+        </p:spPr>
+        <p:style>
+          <a:lnRef idx="2">
+            <a:schemeClr val="dk1"/>
+          </a:lnRef>
+          <a:fillRef idx="1">
+            <a:schemeClr val="lt1"/>
+          </a:fillRef>
+          <a:effectRef idx="0">
+            <a:schemeClr val="dk1"/>
+          </a:effectRef>
+          <a:fontRef idx="minor">
+            <a:schemeClr val="dk1"/>
+          </a:fontRef>
+        </p:style>
+        <p:txBody>
+          <a:bodyPr rtlCol="0" anchor="t"/>
+          <a:lstStyle/>
+          <a:p>
+            <a:pPr algn="ctr"/>
+            <a:r>
+              <a:rPr lang="en-US" altLang="ko-KR" sz="1400" b="1"/>
+              <a:t>Node 02 : ODROID-H2</a:t>
+            </a:r>
+          </a:p>
+          <a:p>
+            <a:pPr algn="ctr"/>
+            <a:r>
+              <a:rPr lang="en-US" altLang="ko-KR" sz="1400" b="1"/>
+              <a:t>Compute, Ceph</a:t>
+            </a:r>
+            <a:endParaRPr lang="ko-KR" altLang="en-US" sz="1400" b="1" dirty="0"/>
+          </a:p>
+        </p:txBody>
+      </p:sp>
+      <p:sp>
+        <p:nvSpPr>
+          <p:cNvPr id="30" name="모서리가 둥근 직사각형 18">
+            <a:extLst>
+              <a:ext uri="{FF2B5EF4-FFF2-40B4-BE49-F238E27FC236}">
+                <a16:creationId xmlns:a16="http://schemas.microsoft.com/office/drawing/2014/main" id="{179755E0-978F-410D-B265-06B3F3BB3500}"/>
+              </a:ext>
+            </a:extLst>
+          </p:cNvPr>
+          <p:cNvSpPr/>
+          <p:nvPr/>
+        </p:nvSpPr>
+        <p:spPr>
+          <a:xfrm>
+            <a:off x="4028455" y="2535746"/>
+            <a:ext cx="1157442" cy="504056"/>
+          </a:xfrm>
+          <a:prstGeom prst="roundRect">
+            <a:avLst>
+              <a:gd name="adj" fmla="val 11578"/>
+            </a:avLst>
+          </a:prstGeom>
+          <a:noFill/>
+        </p:spPr>
+        <p:style>
+          <a:lnRef idx="2">
+            <a:schemeClr val="dk1"/>
+          </a:lnRef>
+          <a:fillRef idx="1">
+            <a:schemeClr val="lt1"/>
+          </a:fillRef>
+          <a:effectRef idx="0">
+            <a:schemeClr val="dk1"/>
+          </a:effectRef>
+          <a:fontRef idx="minor">
+            <a:schemeClr val="dk1"/>
+          </a:fontRef>
+        </p:style>
+        <p:txBody>
+          <a:bodyPr rtlCol="0" anchor="ctr"/>
+          <a:lstStyle/>
+          <a:p>
+            <a:pPr algn="ctr"/>
+            <a:r>
+              <a:rPr lang="en-US" altLang="ko-KR" sz="1100"/>
+              <a:t>enp0s2</a:t>
+            </a:r>
+          </a:p>
+          <a:p>
+            <a:pPr algn="ctr"/>
+            <a:r>
+              <a:rPr lang="en-US" altLang="ko-KR" sz="1100"/>
+              <a:t>192.168.0.32</a:t>
+            </a:r>
+          </a:p>
+        </p:txBody>
+      </p:sp>
+      <p:sp>
+        <p:nvSpPr>
+          <p:cNvPr id="31" name="모서리가 둥근 직사각형 23">
+            <a:extLst>
+              <a:ext uri="{FF2B5EF4-FFF2-40B4-BE49-F238E27FC236}">
+                <a16:creationId xmlns:a16="http://schemas.microsoft.com/office/drawing/2014/main" id="{2B20CA45-E30B-4D1D-9B5C-7B5DF80E979E}"/>
+              </a:ext>
+            </a:extLst>
+          </p:cNvPr>
+          <p:cNvSpPr/>
+          <p:nvPr/>
+        </p:nvSpPr>
+        <p:spPr>
+          <a:xfrm>
+            <a:off x="5261469" y="2535746"/>
+            <a:ext cx="1150220" cy="504056"/>
+          </a:xfrm>
+          <a:prstGeom prst="roundRect">
+            <a:avLst>
+              <a:gd name="adj" fmla="val 11578"/>
+            </a:avLst>
+          </a:prstGeom>
+          <a:noFill/>
+        </p:spPr>
+        <p:style>
+          <a:lnRef idx="2">
+            <a:schemeClr val="dk1"/>
+          </a:lnRef>
+          <a:fillRef idx="1">
+            <a:schemeClr val="lt1"/>
+          </a:fillRef>
+          <a:effectRef idx="0">
+            <a:schemeClr val="dk1"/>
+          </a:effectRef>
+          <a:fontRef idx="minor">
+            <a:schemeClr val="dk1"/>
+          </a:fontRef>
+        </p:style>
+        <p:txBody>
+          <a:bodyPr rtlCol="0" anchor="ctr"/>
+          <a:lstStyle/>
+          <a:p>
+            <a:pPr algn="ctr"/>
+            <a:r>
+              <a:rPr lang="en-US" altLang="ko-KR" sz="1100"/>
+              <a:t>enp0s3</a:t>
+            </a:r>
+            <a:endParaRPr lang="en-US" altLang="ko-KR" sz="1100" dirty="0"/>
+          </a:p>
+          <a:p>
+            <a:pPr algn="ctr"/>
+            <a:r>
+              <a:rPr lang="en-US" altLang="ko-KR" sz="1100"/>
+              <a:t>10.0.0.12</a:t>
+            </a:r>
+            <a:endParaRPr lang="en-US" altLang="ko-KR" sz="1100" dirty="0"/>
+          </a:p>
+        </p:txBody>
+      </p:sp>
+      <p:sp>
+        <p:nvSpPr>
+          <p:cNvPr id="33" name="모서리가 둥근 직사각형 13">
+            <a:extLst>
+              <a:ext uri="{FF2B5EF4-FFF2-40B4-BE49-F238E27FC236}">
+                <a16:creationId xmlns:a16="http://schemas.microsoft.com/office/drawing/2014/main" id="{32FA0D84-1649-4E93-99C7-CC8C09DE9F40}"/>
+              </a:ext>
+            </a:extLst>
+          </p:cNvPr>
+          <p:cNvSpPr/>
+          <p:nvPr/>
+        </p:nvSpPr>
+        <p:spPr>
+          <a:xfrm>
+            <a:off x="6599839" y="1412777"/>
+            <a:ext cx="2508665" cy="1699032"/>
+          </a:xfrm>
+          <a:prstGeom prst="roundRect">
+            <a:avLst>
+              <a:gd name="adj" fmla="val 6281"/>
+            </a:avLst>
+          </a:prstGeom>
+          <a:noFill/>
+        </p:spPr>
+        <p:style>
+          <a:lnRef idx="2">
+            <a:schemeClr val="dk1"/>
+          </a:lnRef>
+          <a:fillRef idx="1">
+            <a:schemeClr val="lt1"/>
+          </a:fillRef>
+          <a:effectRef idx="0">
+            <a:schemeClr val="dk1"/>
+          </a:effectRef>
+          <a:fontRef idx="minor">
+            <a:schemeClr val="dk1"/>
+          </a:fontRef>
+        </p:style>
+        <p:txBody>
+          <a:bodyPr rtlCol="0" anchor="t"/>
+          <a:lstStyle/>
+          <a:p>
+            <a:pPr algn="ctr"/>
+            <a:r>
+              <a:rPr lang="en-US" altLang="ko-KR" sz="1400" b="1"/>
+              <a:t>Node 03 : ODROID-H2</a:t>
+            </a:r>
+          </a:p>
+          <a:p>
+            <a:pPr algn="ctr"/>
+            <a:r>
+              <a:rPr lang="en-US" altLang="ko-KR" sz="1400" b="1"/>
+              <a:t>Compute, Ceph</a:t>
+            </a:r>
+            <a:endParaRPr lang="ko-KR" altLang="en-US" sz="1400" b="1" dirty="0"/>
+          </a:p>
+        </p:txBody>
+      </p:sp>
+      <p:sp>
+        <p:nvSpPr>
+          <p:cNvPr id="34" name="모서리가 둥근 직사각형 18">
+            <a:extLst>
+              <a:ext uri="{FF2B5EF4-FFF2-40B4-BE49-F238E27FC236}">
+                <a16:creationId xmlns:a16="http://schemas.microsoft.com/office/drawing/2014/main" id="{26F7F766-C795-40E1-8025-59E338CADCB8}"/>
+              </a:ext>
+            </a:extLst>
+          </p:cNvPr>
+          <p:cNvSpPr/>
+          <p:nvPr/>
+        </p:nvSpPr>
+        <p:spPr>
+          <a:xfrm>
+            <a:off x="6662556" y="2535746"/>
+            <a:ext cx="1157442" cy="504056"/>
+          </a:xfrm>
+          <a:prstGeom prst="roundRect">
+            <a:avLst>
+              <a:gd name="adj" fmla="val 11578"/>
+            </a:avLst>
+          </a:prstGeom>
+          <a:noFill/>
+        </p:spPr>
+        <p:style>
+          <a:lnRef idx="2">
+            <a:schemeClr val="dk1"/>
+          </a:lnRef>
+          <a:fillRef idx="1">
+            <a:schemeClr val="lt1"/>
+          </a:fillRef>
+          <a:effectRef idx="0">
+            <a:schemeClr val="dk1"/>
+          </a:effectRef>
+          <a:fontRef idx="minor">
+            <a:schemeClr val="dk1"/>
+          </a:fontRef>
+        </p:style>
+        <p:txBody>
+          <a:bodyPr rtlCol="0" anchor="ctr"/>
+          <a:lstStyle/>
+          <a:p>
+            <a:pPr algn="ctr"/>
+            <a:r>
+              <a:rPr lang="en-US" altLang="ko-KR" sz="1100"/>
+              <a:t>enp0s2 1Gbps</a:t>
+            </a:r>
+          </a:p>
+          <a:p>
+            <a:pPr algn="ctr"/>
+            <a:r>
+              <a:rPr lang="en-US" altLang="ko-KR" sz="1100"/>
+              <a:t>192.168.0.33</a:t>
+            </a:r>
+          </a:p>
+        </p:txBody>
+      </p:sp>
+      <p:sp>
+        <p:nvSpPr>
+          <p:cNvPr id="35" name="모서리가 둥근 직사각형 23">
+            <a:extLst>
+              <a:ext uri="{FF2B5EF4-FFF2-40B4-BE49-F238E27FC236}">
+                <a16:creationId xmlns:a16="http://schemas.microsoft.com/office/drawing/2014/main" id="{CE133425-A3DF-4724-8339-5CFA6C4E0415}"/>
+              </a:ext>
+            </a:extLst>
+          </p:cNvPr>
+          <p:cNvSpPr/>
+          <p:nvPr/>
+        </p:nvSpPr>
+        <p:spPr>
+          <a:xfrm>
+            <a:off x="7895567" y="2535746"/>
+            <a:ext cx="1150220" cy="504056"/>
+          </a:xfrm>
+          <a:prstGeom prst="roundRect">
+            <a:avLst>
+              <a:gd name="adj" fmla="val 11578"/>
+            </a:avLst>
+          </a:prstGeom>
+          <a:noFill/>
+        </p:spPr>
+        <p:style>
+          <a:lnRef idx="2">
+            <a:schemeClr val="dk1"/>
+          </a:lnRef>
+          <a:fillRef idx="1">
+            <a:schemeClr val="lt1"/>
+          </a:fillRef>
+          <a:effectRef idx="0">
+            <a:schemeClr val="dk1"/>
+          </a:effectRef>
+          <a:fontRef idx="minor">
+            <a:schemeClr val="dk1"/>
+          </a:fontRef>
+        </p:style>
+        <p:txBody>
+          <a:bodyPr rtlCol="0" anchor="ctr"/>
+          <a:lstStyle/>
+          <a:p>
+            <a:pPr algn="ctr"/>
+            <a:r>
+              <a:rPr lang="en-US" altLang="ko-KR" sz="1100"/>
+              <a:t>enp0s3</a:t>
+            </a:r>
+            <a:endParaRPr lang="en-US" altLang="ko-KR" sz="1100" dirty="0"/>
+          </a:p>
+          <a:p>
+            <a:pPr algn="ctr"/>
+            <a:r>
+              <a:rPr lang="en-US" altLang="ko-KR" sz="1100"/>
+              <a:t>10.0.0.13</a:t>
+            </a:r>
+            <a:endParaRPr lang="en-US" altLang="ko-KR" sz="1100" dirty="0"/>
+          </a:p>
+        </p:txBody>
+      </p:sp>
+      <p:cxnSp>
+        <p:nvCxnSpPr>
+          <p:cNvPr id="37" name="직선 연결선 36">
+            <a:extLst>
+              <a:ext uri="{FF2B5EF4-FFF2-40B4-BE49-F238E27FC236}">
+                <a16:creationId xmlns:a16="http://schemas.microsoft.com/office/drawing/2014/main" id="{B51BA3EC-5B06-4C3F-84DA-6012337062A5}"/>
+              </a:ext>
+            </a:extLst>
+          </p:cNvPr>
+          <p:cNvCxnSpPr>
+            <a:cxnSpLocks/>
+            <a:endCxn id="48" idx="0"/>
+          </p:cNvCxnSpPr>
+          <p:nvPr/>
+        </p:nvCxnSpPr>
+        <p:spPr>
+          <a:xfrm>
+            <a:off x="1973077" y="3039802"/>
+            <a:ext cx="641" cy="354151"/>
+          </a:xfrm>
+          <a:prstGeom prst="line">
+            <a:avLst/>
+          </a:prstGeom>
+          <a:ln w="28575">
+            <a:solidFill>
+              <a:schemeClr val="tx1"/>
+            </a:solidFill>
+          </a:ln>
+        </p:spPr>
+        <p:style>
+          <a:lnRef idx="1">
+            <a:schemeClr val="accent1"/>
+          </a:lnRef>
+          <a:fillRef idx="0">
+            <a:schemeClr val="accent1"/>
+          </a:fillRef>
+          <a:effectRef idx="0">
+            <a:schemeClr val="accent1"/>
+          </a:effectRef>
+          <a:fontRef idx="minor">
+            <a:schemeClr val="tx1"/>
+          </a:fontRef>
+        </p:style>
+      </p:cxnSp>
+      <p:cxnSp>
+        <p:nvCxnSpPr>
+          <p:cNvPr id="43" name="직선 연결선 42">
+            <a:extLst>
+              <a:ext uri="{FF2B5EF4-FFF2-40B4-BE49-F238E27FC236}">
+                <a16:creationId xmlns:a16="http://schemas.microsoft.com/office/drawing/2014/main" id="{D166F931-E4AF-47A5-8E66-DA86BB53BAEF}"/>
+              </a:ext>
+            </a:extLst>
+          </p:cNvPr>
+          <p:cNvCxnSpPr>
+            <a:cxnSpLocks/>
+            <a:stCxn id="30" idx="2"/>
+          </p:cNvCxnSpPr>
+          <p:nvPr/>
+        </p:nvCxnSpPr>
+        <p:spPr>
+          <a:xfrm flipH="1">
+            <a:off x="1973718" y="3039802"/>
+            <a:ext cx="2633458" cy="354152"/>
+          </a:xfrm>
+          <a:prstGeom prst="line">
+            <a:avLst/>
+          </a:prstGeom>
+          <a:ln w="28575">
+            <a:solidFill>
+              <a:schemeClr val="tx1"/>
+            </a:solidFill>
+          </a:ln>
+        </p:spPr>
+        <p:style>
+          <a:lnRef idx="1">
+            <a:schemeClr val="accent1"/>
+          </a:lnRef>
+          <a:fillRef idx="0">
+            <a:schemeClr val="accent1"/>
+          </a:fillRef>
+          <a:effectRef idx="0">
+            <a:schemeClr val="accent1"/>
+          </a:effectRef>
+          <a:fontRef idx="minor">
+            <a:schemeClr val="tx1"/>
+          </a:fontRef>
+        </p:style>
+      </p:cxnSp>
+      <p:cxnSp>
+        <p:nvCxnSpPr>
+          <p:cNvPr id="44" name="직선 연결선 43">
+            <a:extLst>
+              <a:ext uri="{FF2B5EF4-FFF2-40B4-BE49-F238E27FC236}">
+                <a16:creationId xmlns:a16="http://schemas.microsoft.com/office/drawing/2014/main" id="{795051FC-8211-4660-970C-D8907CA0FFF5}"/>
+              </a:ext>
+            </a:extLst>
+          </p:cNvPr>
+          <p:cNvCxnSpPr>
+            <a:cxnSpLocks/>
+            <a:stCxn id="34" idx="2"/>
+            <a:endCxn id="48" idx="0"/>
+          </p:cNvCxnSpPr>
+          <p:nvPr/>
+        </p:nvCxnSpPr>
+        <p:spPr>
+          <a:xfrm flipH="1">
+            <a:off x="1973718" y="3039802"/>
+            <a:ext cx="5267559" cy="354151"/>
+          </a:xfrm>
+          <a:prstGeom prst="line">
+            <a:avLst/>
+          </a:prstGeom>
+          <a:ln w="28575">
+            <a:solidFill>
+              <a:schemeClr val="tx1"/>
+            </a:solidFill>
+          </a:ln>
+        </p:spPr>
+        <p:style>
+          <a:lnRef idx="1">
+            <a:schemeClr val="accent1"/>
+          </a:lnRef>
+          <a:fillRef idx="0">
+            <a:schemeClr val="accent1"/>
+          </a:fillRef>
+          <a:effectRef idx="0">
+            <a:schemeClr val="accent1"/>
+          </a:effectRef>
+          <a:fontRef idx="minor">
+            <a:schemeClr val="tx1"/>
+          </a:fontRef>
+        </p:style>
+      </p:cxnSp>
+      <p:cxnSp>
+        <p:nvCxnSpPr>
+          <p:cNvPr id="53" name="직선 연결선 52">
+            <a:extLst>
+              <a:ext uri="{FF2B5EF4-FFF2-40B4-BE49-F238E27FC236}">
+                <a16:creationId xmlns:a16="http://schemas.microsoft.com/office/drawing/2014/main" id="{149959EF-465C-4A3D-AA34-BE750A1217A8}"/>
+              </a:ext>
+            </a:extLst>
+          </p:cNvPr>
+          <p:cNvCxnSpPr>
+            <a:cxnSpLocks/>
+            <a:stCxn id="24" idx="2"/>
+            <a:endCxn id="47" idx="0"/>
+          </p:cNvCxnSpPr>
+          <p:nvPr/>
+        </p:nvCxnSpPr>
+        <p:spPr>
+          <a:xfrm>
+            <a:off x="3202481" y="3039802"/>
+            <a:ext cx="4034338" cy="354151"/>
+          </a:xfrm>
+          <a:prstGeom prst="line">
+            <a:avLst/>
+          </a:prstGeom>
+          <a:ln w="28575">
+            <a:solidFill>
+              <a:schemeClr val="tx1"/>
+            </a:solidFill>
+          </a:ln>
+        </p:spPr>
+        <p:style>
+          <a:lnRef idx="1">
+            <a:schemeClr val="accent1"/>
+          </a:lnRef>
+          <a:fillRef idx="0">
+            <a:schemeClr val="accent1"/>
+          </a:fillRef>
+          <a:effectRef idx="0">
+            <a:schemeClr val="accent1"/>
+          </a:effectRef>
+          <a:fontRef idx="minor">
+            <a:schemeClr val="tx1"/>
+          </a:fontRef>
+        </p:style>
+      </p:cxnSp>
+      <p:cxnSp>
+        <p:nvCxnSpPr>
+          <p:cNvPr id="57" name="직선 연결선 56">
+            <a:extLst>
+              <a:ext uri="{FF2B5EF4-FFF2-40B4-BE49-F238E27FC236}">
+                <a16:creationId xmlns:a16="http://schemas.microsoft.com/office/drawing/2014/main" id="{FB84C5C8-CE0D-4A5D-AF70-ED0B71A99464}"/>
+              </a:ext>
+            </a:extLst>
+          </p:cNvPr>
+          <p:cNvCxnSpPr>
+            <a:cxnSpLocks/>
+            <a:stCxn id="31" idx="2"/>
+          </p:cNvCxnSpPr>
+          <p:nvPr/>
+        </p:nvCxnSpPr>
+        <p:spPr>
+          <a:xfrm>
+            <a:off x="5836579" y="3039802"/>
+            <a:ext cx="1400240" cy="354152"/>
+          </a:xfrm>
+          <a:prstGeom prst="line">
+            <a:avLst/>
+          </a:prstGeom>
+          <a:ln w="28575">
+            <a:solidFill>
+              <a:schemeClr val="tx1"/>
+            </a:solidFill>
+          </a:ln>
+        </p:spPr>
+        <p:style>
+          <a:lnRef idx="1">
+            <a:schemeClr val="accent1"/>
+          </a:lnRef>
+          <a:fillRef idx="0">
+            <a:schemeClr val="accent1"/>
+          </a:fillRef>
+          <a:effectRef idx="0">
+            <a:schemeClr val="accent1"/>
+          </a:effectRef>
+          <a:fontRef idx="minor">
+            <a:schemeClr val="tx1"/>
+          </a:fontRef>
+        </p:style>
+      </p:cxnSp>
+      <p:cxnSp>
+        <p:nvCxnSpPr>
+          <p:cNvPr id="59" name="직선 연결선 58">
+            <a:extLst>
+              <a:ext uri="{FF2B5EF4-FFF2-40B4-BE49-F238E27FC236}">
+                <a16:creationId xmlns:a16="http://schemas.microsoft.com/office/drawing/2014/main" id="{ECE875A0-34CB-48AA-9E79-A1F9FE7DCD3B}"/>
+              </a:ext>
+            </a:extLst>
+          </p:cNvPr>
+          <p:cNvCxnSpPr>
+            <a:cxnSpLocks/>
+            <a:stCxn id="35" idx="2"/>
+            <a:endCxn id="47" idx="0"/>
+          </p:cNvCxnSpPr>
+          <p:nvPr/>
+        </p:nvCxnSpPr>
+        <p:spPr>
+          <a:xfrm flipH="1">
+            <a:off x="7236819" y="3039802"/>
+            <a:ext cx="1233858" cy="354151"/>
+          </a:xfrm>
+          <a:prstGeom prst="line">
+            <a:avLst/>
+          </a:prstGeom>
+          <a:ln w="28575">
+            <a:solidFill>
+              <a:schemeClr val="tx1"/>
+            </a:solidFill>
+          </a:ln>
+        </p:spPr>
+        <p:style>
+          <a:lnRef idx="1">
+            <a:schemeClr val="accent1"/>
+          </a:lnRef>
+          <a:fillRef idx="0">
+            <a:schemeClr val="accent1"/>
+          </a:fillRef>
+          <a:effectRef idx="0">
+            <a:schemeClr val="accent1"/>
+          </a:effectRef>
+          <a:fontRef idx="minor">
+            <a:schemeClr val="tx1"/>
+          </a:fontRef>
+        </p:style>
+      </p:cxnSp>
+      <p:sp>
+        <p:nvSpPr>
+          <p:cNvPr id="40" name="모서리가 둥근 직사각형 18">
+            <a:extLst>
+              <a:ext uri="{FF2B5EF4-FFF2-40B4-BE49-F238E27FC236}">
+                <a16:creationId xmlns:a16="http://schemas.microsoft.com/office/drawing/2014/main" id="{A4C7A769-F8F5-41EA-AA53-E7FA68E5D857}"/>
+              </a:ext>
+            </a:extLst>
+          </p:cNvPr>
+          <p:cNvSpPr/>
+          <p:nvPr/>
+        </p:nvSpPr>
+        <p:spPr>
+          <a:xfrm>
+            <a:off x="6662556" y="1959681"/>
+            <a:ext cx="1157442" cy="504056"/>
+          </a:xfrm>
+          <a:prstGeom prst="roundRect">
+            <a:avLst>
+              <a:gd name="adj" fmla="val 11578"/>
+            </a:avLst>
+          </a:prstGeom>
+          <a:noFill/>
+        </p:spPr>
+        <p:style>
+          <a:lnRef idx="2">
+            <a:schemeClr val="dk1"/>
+          </a:lnRef>
+          <a:fillRef idx="1">
+            <a:schemeClr val="lt1"/>
+          </a:fillRef>
+          <a:effectRef idx="0">
+            <a:schemeClr val="dk1"/>
+          </a:effectRef>
+          <a:fontRef idx="minor">
+            <a:schemeClr val="dk1"/>
+          </a:fontRef>
+        </p:style>
+        <p:txBody>
+          <a:bodyPr rtlCol="0" anchor="ctr"/>
+          <a:lstStyle/>
+          <a:p>
+            <a:pPr algn="ctr"/>
+            <a:r>
+              <a:rPr lang="en-US" altLang="ko-KR" sz="1100"/>
+              <a:t>/dev/mmcblk0</a:t>
+            </a:r>
+          </a:p>
+          <a:p>
+            <a:pPr algn="ctr"/>
+            <a:r>
+              <a:rPr lang="en-US" altLang="ko-KR" sz="1100"/>
+              <a:t>Rootfs</a:t>
+            </a:r>
+          </a:p>
+        </p:txBody>
+      </p:sp>
+      <p:sp>
+        <p:nvSpPr>
+          <p:cNvPr id="42" name="모서리가 둥근 직사각형 18">
+            <a:extLst>
+              <a:ext uri="{FF2B5EF4-FFF2-40B4-BE49-F238E27FC236}">
+                <a16:creationId xmlns:a16="http://schemas.microsoft.com/office/drawing/2014/main" id="{C250A369-E0E6-4B01-92E5-0D3662E0D8E2}"/>
+              </a:ext>
+            </a:extLst>
+          </p:cNvPr>
+          <p:cNvSpPr/>
+          <p:nvPr/>
+        </p:nvSpPr>
+        <p:spPr>
+          <a:xfrm>
+            <a:off x="4028455" y="1959681"/>
+            <a:ext cx="1157442" cy="504056"/>
+          </a:xfrm>
+          <a:prstGeom prst="roundRect">
+            <a:avLst>
+              <a:gd name="adj" fmla="val 11578"/>
+            </a:avLst>
+          </a:prstGeom>
+          <a:noFill/>
+        </p:spPr>
+        <p:style>
+          <a:lnRef idx="2">
+            <a:schemeClr val="dk1"/>
+          </a:lnRef>
+          <a:fillRef idx="1">
+            <a:schemeClr val="lt1"/>
+          </a:fillRef>
+          <a:effectRef idx="0">
+            <a:schemeClr val="dk1"/>
+          </a:effectRef>
+          <a:fontRef idx="minor">
+            <a:schemeClr val="dk1"/>
+          </a:fontRef>
+        </p:style>
+        <p:txBody>
+          <a:bodyPr rtlCol="0" anchor="ctr"/>
+          <a:lstStyle/>
+          <a:p>
+            <a:pPr algn="ctr"/>
+            <a:r>
+              <a:rPr lang="en-US" altLang="ko-KR" sz="1100"/>
+              <a:t>/dev/mmcblk0</a:t>
+            </a:r>
+          </a:p>
+          <a:p>
+            <a:pPr algn="ctr"/>
+            <a:r>
+              <a:rPr lang="en-US" altLang="ko-KR" sz="1100"/>
+              <a:t>Rootfs</a:t>
+            </a:r>
+          </a:p>
+        </p:txBody>
+      </p:sp>
+      <p:sp>
+        <p:nvSpPr>
+          <p:cNvPr id="46" name="모서리가 둥근 직사각형 18">
+            <a:extLst>
+              <a:ext uri="{FF2B5EF4-FFF2-40B4-BE49-F238E27FC236}">
+                <a16:creationId xmlns:a16="http://schemas.microsoft.com/office/drawing/2014/main" id="{BF18FE6C-5AF5-4459-ACB3-BFF0A64AEFA8}"/>
+              </a:ext>
+            </a:extLst>
+          </p:cNvPr>
+          <p:cNvSpPr/>
+          <p:nvPr/>
+        </p:nvSpPr>
+        <p:spPr>
+          <a:xfrm>
+            <a:off x="769401" y="1959681"/>
+            <a:ext cx="1157442" cy="504056"/>
+          </a:xfrm>
+          <a:prstGeom prst="roundRect">
+            <a:avLst>
+              <a:gd name="adj" fmla="val 11578"/>
+            </a:avLst>
+          </a:prstGeom>
+          <a:noFill/>
+        </p:spPr>
+        <p:style>
+          <a:lnRef idx="2">
+            <a:schemeClr val="dk1"/>
+          </a:lnRef>
+          <a:fillRef idx="1">
+            <a:schemeClr val="lt1"/>
+          </a:fillRef>
+          <a:effectRef idx="0">
+            <a:schemeClr val="dk1"/>
+          </a:effectRef>
+          <a:fontRef idx="minor">
+            <a:schemeClr val="dk1"/>
+          </a:fontRef>
+        </p:style>
+        <p:txBody>
+          <a:bodyPr rtlCol="0" anchor="ctr"/>
+          <a:lstStyle/>
+          <a:p>
+            <a:pPr algn="ctr"/>
+            <a:r>
+              <a:rPr lang="en-US" altLang="ko-KR" sz="1100"/>
+              <a:t>/dev/mmcblk0</a:t>
+            </a:r>
+          </a:p>
+          <a:p>
+            <a:pPr algn="ctr"/>
+            <a:r>
+              <a:rPr lang="en-US" altLang="ko-KR" sz="1100"/>
+              <a:t>Rootfs</a:t>
+            </a:r>
+          </a:p>
+        </p:txBody>
+      </p:sp>
+      <p:sp>
+        <p:nvSpPr>
+          <p:cNvPr id="39" name="모서리가 둥근 직사각형 18">
+            <a:extLst>
+              <a:ext uri="{FF2B5EF4-FFF2-40B4-BE49-F238E27FC236}">
+                <a16:creationId xmlns:a16="http://schemas.microsoft.com/office/drawing/2014/main" id="{C7B2586A-E3BD-4764-B800-E49EA4331EC5}"/>
+              </a:ext>
+            </a:extLst>
+          </p:cNvPr>
+          <p:cNvSpPr/>
+          <p:nvPr/>
+        </p:nvSpPr>
+        <p:spPr>
+          <a:xfrm>
+            <a:off x="174197" y="2535746"/>
+            <a:ext cx="1157442" cy="504056"/>
+          </a:xfrm>
+          <a:prstGeom prst="roundRect">
+            <a:avLst>
+              <a:gd name="adj" fmla="val 11578"/>
+            </a:avLst>
+          </a:prstGeom>
+          <a:noFill/>
+        </p:spPr>
+        <p:style>
+          <a:lnRef idx="2">
+            <a:schemeClr val="dk1"/>
+          </a:lnRef>
+          <a:fillRef idx="1">
+            <a:schemeClr val="lt1"/>
+          </a:fillRef>
+          <a:effectRef idx="0">
+            <a:schemeClr val="dk1"/>
+          </a:effectRef>
+          <a:fontRef idx="minor">
+            <a:schemeClr val="dk1"/>
+          </a:fontRef>
+        </p:style>
+        <p:txBody>
+          <a:bodyPr rtlCol="0" anchor="ctr"/>
+          <a:lstStyle/>
+          <a:p>
+            <a:pPr algn="ctr"/>
+            <a:r>
+              <a:rPr lang="en-US" altLang="ko-KR" sz="1100"/>
+              <a:t>192.168.0.30</a:t>
+            </a:r>
+          </a:p>
+        </p:txBody>
+      </p:sp>
+      <p:cxnSp>
+        <p:nvCxnSpPr>
+          <p:cNvPr id="55" name="직선 연결선 54">
+            <a:extLst>
+              <a:ext uri="{FF2B5EF4-FFF2-40B4-BE49-F238E27FC236}">
+                <a16:creationId xmlns:a16="http://schemas.microsoft.com/office/drawing/2014/main" id="{BC78C9C6-9A98-42E9-9BDD-105CD96EB4CC}"/>
+              </a:ext>
+            </a:extLst>
+          </p:cNvPr>
+          <p:cNvCxnSpPr>
+            <a:cxnSpLocks/>
+            <a:stCxn id="39" idx="2"/>
+            <a:endCxn id="48" idx="0"/>
+          </p:cNvCxnSpPr>
+          <p:nvPr/>
+        </p:nvCxnSpPr>
+        <p:spPr>
+          <a:xfrm>
+            <a:off x="752918" y="3039802"/>
+            <a:ext cx="1220800" cy="354151"/>
+          </a:xfrm>
+          <a:prstGeom prst="line">
+            <a:avLst/>
+          </a:prstGeom>
+          <a:ln w="28575">
+            <a:solidFill>
+              <a:schemeClr val="tx1"/>
+            </a:solidFill>
+          </a:ln>
+        </p:spPr>
+        <p:style>
+          <a:lnRef idx="1">
+            <a:schemeClr val="accent1"/>
+          </a:lnRef>
+          <a:fillRef idx="0">
+            <a:schemeClr val="accent1"/>
+          </a:fillRef>
+          <a:effectRef idx="0">
+            <a:schemeClr val="accent1"/>
+          </a:effectRef>
+          <a:fontRef idx="minor">
+            <a:schemeClr val="tx1"/>
+          </a:fontRef>
+        </p:style>
+      </p:cxnSp>
+      <p:sp>
+        <p:nvSpPr>
+          <p:cNvPr id="62" name="모서리가 둥근 직사각형 13">
+            <a:extLst>
+              <a:ext uri="{FF2B5EF4-FFF2-40B4-BE49-F238E27FC236}">
+                <a16:creationId xmlns:a16="http://schemas.microsoft.com/office/drawing/2014/main" id="{9FEE3CEF-16B4-45CD-AECB-C5503C7D9330}"/>
+              </a:ext>
+            </a:extLst>
+          </p:cNvPr>
+          <p:cNvSpPr/>
+          <p:nvPr/>
+        </p:nvSpPr>
+        <p:spPr>
+          <a:xfrm>
+            <a:off x="3257130" y="3393954"/>
+            <a:ext cx="2691178" cy="1158972"/>
+          </a:xfrm>
+          <a:prstGeom prst="roundRect">
+            <a:avLst>
+              <a:gd name="adj" fmla="val 6281"/>
+            </a:avLst>
+          </a:prstGeom>
+          <a:noFill/>
+        </p:spPr>
+        <p:style>
+          <a:lnRef idx="2">
+            <a:schemeClr val="dk1"/>
+          </a:lnRef>
+          <a:fillRef idx="1">
+            <a:schemeClr val="lt1"/>
+          </a:fillRef>
+          <a:effectRef idx="0">
+            <a:schemeClr val="dk1"/>
+          </a:effectRef>
+          <a:fontRef idx="minor">
+            <a:schemeClr val="dk1"/>
+          </a:fontRef>
+        </p:style>
+        <p:txBody>
+          <a:bodyPr rtlCol="0" anchor="t"/>
+          <a:lstStyle/>
+          <a:p>
+            <a:pPr algn="ctr"/>
+            <a:r>
+              <a:rPr lang="en-US" altLang="ko-KR" sz="1400" b="1"/>
+              <a:t>Node 09 : VM</a:t>
+            </a:r>
+          </a:p>
+          <a:p>
+            <a:pPr algn="ctr"/>
+            <a:r>
+              <a:rPr lang="en-US" altLang="ko-KR" sz="1400" b="1"/>
+              <a:t>Monitoring, Registry, Deploy</a:t>
+            </a:r>
+            <a:endParaRPr lang="ko-KR" altLang="en-US" sz="1400" dirty="0"/>
+          </a:p>
+        </p:txBody>
+      </p:sp>
+      <p:sp>
+        <p:nvSpPr>
+          <p:cNvPr id="63" name="모서리가 둥근 직사각형 18">
+            <a:extLst>
+              <a:ext uri="{FF2B5EF4-FFF2-40B4-BE49-F238E27FC236}">
+                <a16:creationId xmlns:a16="http://schemas.microsoft.com/office/drawing/2014/main" id="{DC1681D7-E546-455C-875A-B92EF1E76541}"/>
+              </a:ext>
+            </a:extLst>
+          </p:cNvPr>
+          <p:cNvSpPr/>
+          <p:nvPr/>
+        </p:nvSpPr>
+        <p:spPr>
+          <a:xfrm>
+            <a:off x="3411103" y="3976862"/>
+            <a:ext cx="1157442" cy="504056"/>
+          </a:xfrm>
+          <a:prstGeom prst="roundRect">
+            <a:avLst>
+              <a:gd name="adj" fmla="val 11578"/>
+            </a:avLst>
+          </a:prstGeom>
+          <a:noFill/>
+        </p:spPr>
+        <p:style>
+          <a:lnRef idx="2">
+            <a:schemeClr val="dk1"/>
+          </a:lnRef>
+          <a:fillRef idx="1">
+            <a:schemeClr val="lt1"/>
+          </a:fillRef>
+          <a:effectRef idx="0">
+            <a:schemeClr val="dk1"/>
+          </a:effectRef>
+          <a:fontRef idx="minor">
+            <a:schemeClr val="dk1"/>
+          </a:fontRef>
+        </p:style>
+        <p:txBody>
+          <a:bodyPr rtlCol="0" anchor="ctr"/>
+          <a:lstStyle/>
+          <a:p>
+            <a:pPr algn="ctr"/>
+            <a:r>
+              <a:rPr lang="en-US" altLang="ko-KR" sz="1100"/>
+              <a:t>eth0</a:t>
+            </a:r>
+          </a:p>
+          <a:p>
+            <a:pPr algn="ctr"/>
+            <a:r>
+              <a:rPr lang="en-US" altLang="ko-KR" sz="1100"/>
+              <a:t>192.168.0.39</a:t>
+            </a:r>
+          </a:p>
+        </p:txBody>
+      </p:sp>
+      <p:sp>
+        <p:nvSpPr>
+          <p:cNvPr id="64" name="모서리가 둥근 직사각형 23">
+            <a:extLst>
+              <a:ext uri="{FF2B5EF4-FFF2-40B4-BE49-F238E27FC236}">
+                <a16:creationId xmlns:a16="http://schemas.microsoft.com/office/drawing/2014/main" id="{F225625C-3E74-4151-AF2D-ED9083793E66}"/>
+              </a:ext>
+            </a:extLst>
+          </p:cNvPr>
+          <p:cNvSpPr/>
+          <p:nvPr/>
+        </p:nvSpPr>
+        <p:spPr>
+          <a:xfrm>
+            <a:off x="4644117" y="3976862"/>
+            <a:ext cx="1150220" cy="504056"/>
+          </a:xfrm>
+          <a:prstGeom prst="roundRect">
+            <a:avLst>
+              <a:gd name="adj" fmla="val 11578"/>
+            </a:avLst>
+          </a:prstGeom>
+          <a:noFill/>
+        </p:spPr>
+        <p:style>
+          <a:lnRef idx="2">
+            <a:schemeClr val="dk1"/>
+          </a:lnRef>
+          <a:fillRef idx="1">
+            <a:schemeClr val="lt1"/>
+          </a:fillRef>
+          <a:effectRef idx="0">
+            <a:schemeClr val="dk1"/>
+          </a:effectRef>
+          <a:fontRef idx="minor">
+            <a:schemeClr val="dk1"/>
+          </a:fontRef>
+        </p:style>
+        <p:txBody>
+          <a:bodyPr rtlCol="0" anchor="ctr"/>
+          <a:lstStyle/>
+          <a:p>
+            <a:pPr algn="ctr"/>
+            <a:r>
+              <a:rPr lang="en-US" altLang="ko-KR" sz="1100"/>
+              <a:t>eth1</a:t>
+            </a:r>
+          </a:p>
+          <a:p>
+            <a:pPr algn="ctr"/>
+            <a:r>
+              <a:rPr lang="en-US" altLang="ko-KR" sz="1100"/>
+              <a:t>10.0.0.19</a:t>
+            </a:r>
+            <a:endParaRPr lang="en-US" altLang="ko-KR" sz="1100" dirty="0"/>
+          </a:p>
+        </p:txBody>
+      </p:sp>
+      <p:cxnSp>
+        <p:nvCxnSpPr>
+          <p:cNvPr id="65" name="직선 연결선 64">
+            <a:extLst>
+              <a:ext uri="{FF2B5EF4-FFF2-40B4-BE49-F238E27FC236}">
+                <a16:creationId xmlns:a16="http://schemas.microsoft.com/office/drawing/2014/main" id="{73A4912C-4ECD-42A0-A803-D9C8886A8E5A}"/>
+              </a:ext>
+            </a:extLst>
+          </p:cNvPr>
+          <p:cNvCxnSpPr>
+            <a:cxnSpLocks/>
+            <a:stCxn id="63" idx="1"/>
+            <a:endCxn id="48" idx="3"/>
+          </p:cNvCxnSpPr>
+          <p:nvPr/>
+        </p:nvCxnSpPr>
+        <p:spPr>
+          <a:xfrm flipH="1" flipV="1">
+            <a:off x="2624403" y="3882952"/>
+            <a:ext cx="786700" cy="345938"/>
+          </a:xfrm>
+          <a:prstGeom prst="line">
+            <a:avLst/>
+          </a:prstGeom>
+          <a:ln w="28575">
+            <a:solidFill>
+              <a:schemeClr val="tx1"/>
+            </a:solidFill>
+          </a:ln>
+        </p:spPr>
+        <p:style>
+          <a:lnRef idx="1">
+            <a:schemeClr val="accent1"/>
+          </a:lnRef>
+          <a:fillRef idx="0">
+            <a:schemeClr val="accent1"/>
+          </a:fillRef>
+          <a:effectRef idx="0">
+            <a:schemeClr val="accent1"/>
+          </a:effectRef>
+          <a:fontRef idx="minor">
+            <a:schemeClr val="tx1"/>
+          </a:fontRef>
+        </p:style>
+      </p:cxnSp>
+      <p:cxnSp>
+        <p:nvCxnSpPr>
+          <p:cNvPr id="66" name="직선 연결선 65">
+            <a:extLst>
+              <a:ext uri="{FF2B5EF4-FFF2-40B4-BE49-F238E27FC236}">
+                <a16:creationId xmlns:a16="http://schemas.microsoft.com/office/drawing/2014/main" id="{310D4476-DA56-487E-96F9-2D769592E99B}"/>
+              </a:ext>
+            </a:extLst>
+          </p:cNvPr>
+          <p:cNvCxnSpPr>
+            <a:cxnSpLocks/>
+            <a:stCxn id="64" idx="3"/>
+            <a:endCxn id="47" idx="1"/>
+          </p:cNvCxnSpPr>
+          <p:nvPr/>
+        </p:nvCxnSpPr>
+        <p:spPr>
+          <a:xfrm flipV="1">
+            <a:off x="5794337" y="3882952"/>
+            <a:ext cx="791798" cy="345938"/>
+          </a:xfrm>
+          <a:prstGeom prst="line">
+            <a:avLst/>
+          </a:prstGeom>
+          <a:ln w="28575">
+            <a:solidFill>
+              <a:schemeClr val="tx1"/>
+            </a:solidFill>
+          </a:ln>
+        </p:spPr>
+        <p:style>
+          <a:lnRef idx="1">
+            <a:schemeClr val="accent1"/>
+          </a:lnRef>
+          <a:fillRef idx="0">
+            <a:schemeClr val="accent1"/>
+          </a:fillRef>
+          <a:effectRef idx="0">
+            <a:schemeClr val="accent1"/>
+          </a:effectRef>
+          <a:fontRef idx="minor">
+            <a:schemeClr val="tx1"/>
+          </a:fontRef>
+        </p:style>
+      </p:cxnSp>
+      <p:sp>
+        <p:nvSpPr>
+          <p:cNvPr id="47" name="모서리가 둥근 직사각형 47">
+            <a:extLst>
+              <a:ext uri="{FF2B5EF4-FFF2-40B4-BE49-F238E27FC236}">
+                <a16:creationId xmlns:a16="http://schemas.microsoft.com/office/drawing/2014/main" id="{79E20FD5-F5D1-4764-B569-A02564C1B0C6}"/>
+              </a:ext>
+            </a:extLst>
+          </p:cNvPr>
+          <p:cNvSpPr/>
+          <p:nvPr/>
+        </p:nvSpPr>
+        <p:spPr>
+          <a:xfrm>
+            <a:off x="6586135" y="3393953"/>
+            <a:ext cx="1301368" cy="977997"/>
+          </a:xfrm>
+          <a:prstGeom prst="roundRect">
+            <a:avLst>
+              <a:gd name="adj" fmla="val 11578"/>
+            </a:avLst>
+          </a:prstGeom>
+          <a:noFill/>
+        </p:spPr>
+        <p:style>
+          <a:lnRef idx="2">
+            <a:schemeClr val="dk1"/>
+          </a:lnRef>
+          <a:fillRef idx="1">
+            <a:schemeClr val="lt1"/>
+          </a:fillRef>
+          <a:effectRef idx="0">
+            <a:schemeClr val="dk1"/>
+          </a:effectRef>
+          <a:fontRef idx="minor">
+            <a:schemeClr val="dk1"/>
+          </a:fontRef>
+        </p:style>
+        <p:txBody>
+          <a:bodyPr rtlCol="0" anchor="ctr"/>
+          <a:lstStyle/>
+          <a:p>
+            <a:pPr algn="ctr"/>
+            <a:r>
+              <a:rPr lang="en-US" altLang="ko-KR" sz="1400" b="1"/>
+              <a:t>Switch</a:t>
+            </a:r>
+          </a:p>
+          <a:p>
+            <a:pPr algn="ctr"/>
+            <a:r>
+              <a:rPr lang="en-US" altLang="ko-KR" sz="1100"/>
+              <a:t>Private Network</a:t>
+            </a:r>
+          </a:p>
+          <a:p>
+            <a:pPr algn="ctr"/>
+            <a:r>
+              <a:rPr lang="en-US" altLang="ko-KR" sz="1100"/>
+              <a:t>10.0.0.0/24</a:t>
+            </a:r>
+          </a:p>
+          <a:p>
+            <a:pPr algn="ctr"/>
+            <a:r>
+              <a:rPr lang="en-US" altLang="ko-KR" sz="1100" b="1"/>
+              <a:t>Guest/Mgmt/</a:t>
+            </a:r>
+            <a:br>
+              <a:rPr lang="en-US" altLang="ko-KR" sz="1100" b="1"/>
+            </a:br>
+            <a:r>
+              <a:rPr lang="en-US" altLang="ko-KR" sz="1100" b="1"/>
+              <a:t>Ceph Network</a:t>
+            </a:r>
+          </a:p>
+        </p:txBody>
+      </p:sp>
+      <p:sp>
+        <p:nvSpPr>
+          <p:cNvPr id="48" name="모서리가 둥근 직사각형 46">
+            <a:extLst>
+              <a:ext uri="{FF2B5EF4-FFF2-40B4-BE49-F238E27FC236}">
+                <a16:creationId xmlns:a16="http://schemas.microsoft.com/office/drawing/2014/main" id="{E3E62C22-5154-4267-91B1-81E5EE79C603}"/>
+              </a:ext>
+            </a:extLst>
+          </p:cNvPr>
+          <p:cNvSpPr/>
+          <p:nvPr/>
+        </p:nvSpPr>
+        <p:spPr>
+          <a:xfrm>
+            <a:off x="1323033" y="3393953"/>
+            <a:ext cx="1301370" cy="977997"/>
+          </a:xfrm>
+          <a:prstGeom prst="roundRect">
+            <a:avLst>
+              <a:gd name="adj" fmla="val 11578"/>
+            </a:avLst>
+          </a:prstGeom>
+          <a:noFill/>
+        </p:spPr>
+        <p:style>
+          <a:lnRef idx="2">
+            <a:schemeClr val="dk1"/>
+          </a:lnRef>
+          <a:fillRef idx="1">
+            <a:schemeClr val="lt1"/>
+          </a:fillRef>
+          <a:effectRef idx="0">
+            <a:schemeClr val="dk1"/>
+          </a:effectRef>
+          <a:fontRef idx="minor">
+            <a:schemeClr val="dk1"/>
+          </a:fontRef>
+        </p:style>
+        <p:txBody>
+          <a:bodyPr rtlCol="0" anchor="ctr"/>
+          <a:lstStyle/>
+          <a:p>
+            <a:pPr algn="ctr"/>
+            <a:r>
+              <a:rPr lang="en-US" altLang="ko-KR" sz="1400" b="1"/>
+              <a:t>Router</a:t>
+            </a:r>
+          </a:p>
+          <a:p>
+            <a:pPr algn="ctr"/>
+            <a:r>
+              <a:rPr lang="en-US" altLang="ko-KR" sz="1100"/>
+              <a:t>NAT Network</a:t>
+            </a:r>
+          </a:p>
+          <a:p>
+            <a:pPr algn="ctr"/>
+            <a:r>
+              <a:rPr lang="en-US" altLang="ko-KR" sz="1100"/>
+              <a:t>192.168.0.0/24</a:t>
+            </a:r>
+          </a:p>
+          <a:p>
+            <a:pPr algn="ctr"/>
+            <a:r>
+              <a:rPr lang="en-US" altLang="ko-KR" sz="1100" b="1"/>
+              <a:t>External Network</a:t>
+            </a:r>
+          </a:p>
+        </p:txBody>
+      </p:sp>
+      <p:sp>
+        <p:nvSpPr>
+          <p:cNvPr id="50" name="구름 49">
+            <a:extLst>
+              <a:ext uri="{FF2B5EF4-FFF2-40B4-BE49-F238E27FC236}">
+                <a16:creationId xmlns:a16="http://schemas.microsoft.com/office/drawing/2014/main" id="{8FCA7388-BBA7-447D-BE0E-902AE908A320}"/>
+              </a:ext>
+            </a:extLst>
+          </p:cNvPr>
+          <p:cNvSpPr/>
+          <p:nvPr/>
+        </p:nvSpPr>
+        <p:spPr>
+          <a:xfrm>
+            <a:off x="149304" y="3587974"/>
+            <a:ext cx="1110328" cy="582910"/>
+          </a:xfrm>
+          <a:prstGeom prst="cloud">
+            <a:avLst/>
+          </a:prstGeom>
+        </p:spPr>
+        <p:style>
+          <a:lnRef idx="2">
+            <a:schemeClr val="dk1"/>
+          </a:lnRef>
+          <a:fillRef idx="1">
+            <a:schemeClr val="lt1"/>
+          </a:fillRef>
+          <a:effectRef idx="0">
+            <a:schemeClr val="dk1"/>
+          </a:effectRef>
+          <a:fontRef idx="minor">
+            <a:schemeClr val="dk1"/>
+          </a:fontRef>
+        </p:style>
+        <p:txBody>
+          <a:bodyPr rtlCol="0" anchor="ctr"/>
+          <a:lstStyle/>
+          <a:p>
+            <a:pPr algn="ctr"/>
+            <a:r>
+              <a:rPr lang="en-US" altLang="ko-KR" sz="1100"/>
+              <a:t>Public</a:t>
+            </a:r>
+          </a:p>
+          <a:p>
+            <a:pPr algn="ctr"/>
+            <a:r>
+              <a:rPr lang="en-US" altLang="ko-KR" sz="1100"/>
+              <a:t>Network</a:t>
+            </a:r>
+            <a:endParaRPr lang="ko-KR" altLang="en-US" sz="1100"/>
+          </a:p>
+        </p:txBody>
+      </p:sp>
+      <p:cxnSp>
+        <p:nvCxnSpPr>
+          <p:cNvPr id="56" name="직선 연결선 55">
+            <a:extLst>
+              <a:ext uri="{FF2B5EF4-FFF2-40B4-BE49-F238E27FC236}">
+                <a16:creationId xmlns:a16="http://schemas.microsoft.com/office/drawing/2014/main" id="{514E9173-E8B5-4DAB-94BB-08DB61843442}"/>
+              </a:ext>
+            </a:extLst>
+          </p:cNvPr>
+          <p:cNvCxnSpPr>
+            <a:cxnSpLocks/>
+            <a:stCxn id="48" idx="1"/>
+            <a:endCxn id="50" idx="0"/>
+          </p:cNvCxnSpPr>
+          <p:nvPr/>
+        </p:nvCxnSpPr>
+        <p:spPr>
+          <a:xfrm flipH="1" flipV="1">
+            <a:off x="1258707" y="3879429"/>
+            <a:ext cx="64326" cy="3523"/>
+          </a:xfrm>
+          <a:prstGeom prst="line">
+            <a:avLst/>
+          </a:prstGeom>
+          <a:ln w="28575">
+            <a:solidFill>
+              <a:schemeClr val="tx1"/>
+            </a:solidFill>
+          </a:ln>
+        </p:spPr>
+        <p:style>
+          <a:lnRef idx="1">
+            <a:schemeClr val="accent1"/>
+          </a:lnRef>
+          <a:fillRef idx="0">
+            <a:schemeClr val="accent1"/>
+          </a:fillRef>
+          <a:effectRef idx="0">
+            <a:schemeClr val="accent1"/>
+          </a:effectRef>
+          <a:fontRef idx="minor">
+            <a:schemeClr val="tx1"/>
+          </a:fontRef>
+        </p:style>
+      </p:cxnSp>
+      <p:sp>
+        <p:nvSpPr>
+          <p:cNvPr id="32" name="모서리가 둥근 직사각형 23">
+            <a:extLst>
+              <a:ext uri="{FF2B5EF4-FFF2-40B4-BE49-F238E27FC236}">
+                <a16:creationId xmlns:a16="http://schemas.microsoft.com/office/drawing/2014/main" id="{50DF7F0B-A57B-4C23-AFCD-B15A853117C3}"/>
+              </a:ext>
+            </a:extLst>
+          </p:cNvPr>
+          <p:cNvSpPr/>
+          <p:nvPr/>
+        </p:nvSpPr>
+        <p:spPr>
+          <a:xfrm>
+            <a:off x="7895568" y="1959681"/>
+            <a:ext cx="1150220" cy="504056"/>
+          </a:xfrm>
+          <a:prstGeom prst="roundRect">
+            <a:avLst>
+              <a:gd name="adj" fmla="val 11578"/>
+            </a:avLst>
+          </a:prstGeom>
+          <a:noFill/>
+        </p:spPr>
+        <p:style>
+          <a:lnRef idx="2">
+            <a:schemeClr val="dk1"/>
+          </a:lnRef>
+          <a:fillRef idx="1">
+            <a:schemeClr val="lt1"/>
+          </a:fillRef>
+          <a:effectRef idx="0">
+            <a:schemeClr val="dk1"/>
+          </a:effectRef>
+          <a:fontRef idx="minor">
+            <a:schemeClr val="dk1"/>
+          </a:fontRef>
+        </p:style>
+        <p:txBody>
+          <a:bodyPr rtlCol="0" anchor="ctr"/>
+          <a:lstStyle/>
+          <a:p>
+            <a:pPr algn="ctr"/>
+            <a:r>
+              <a:rPr lang="en-US" altLang="ko-KR" sz="1100"/>
+              <a:t>/dev/nvme0n1</a:t>
+            </a:r>
+          </a:p>
+          <a:p>
+            <a:pPr algn="ctr"/>
+            <a:r>
+              <a:rPr lang="en-US" altLang="ko-KR" sz="1100" b="1"/>
+              <a:t>OSD Block</a:t>
+            </a:r>
+          </a:p>
+        </p:txBody>
+      </p:sp>
+      <p:sp>
+        <p:nvSpPr>
+          <p:cNvPr id="36" name="모서리가 둥근 직사각형 23">
+            <a:extLst>
+              <a:ext uri="{FF2B5EF4-FFF2-40B4-BE49-F238E27FC236}">
+                <a16:creationId xmlns:a16="http://schemas.microsoft.com/office/drawing/2014/main" id="{B1C8AEDC-839C-4C8A-AFEF-A096F9D77670}"/>
+              </a:ext>
+            </a:extLst>
+          </p:cNvPr>
+          <p:cNvSpPr/>
+          <p:nvPr/>
+        </p:nvSpPr>
+        <p:spPr>
+          <a:xfrm>
+            <a:off x="5261469" y="1959681"/>
+            <a:ext cx="1150220" cy="504056"/>
+          </a:xfrm>
+          <a:prstGeom prst="roundRect">
+            <a:avLst>
+              <a:gd name="adj" fmla="val 11578"/>
+            </a:avLst>
+          </a:prstGeom>
+          <a:noFill/>
+        </p:spPr>
+        <p:style>
+          <a:lnRef idx="2">
+            <a:schemeClr val="dk1"/>
+          </a:lnRef>
+          <a:fillRef idx="1">
+            <a:schemeClr val="lt1"/>
+          </a:fillRef>
+          <a:effectRef idx="0">
+            <a:schemeClr val="dk1"/>
+          </a:effectRef>
+          <a:fontRef idx="minor">
+            <a:schemeClr val="dk1"/>
+          </a:fontRef>
+        </p:style>
+        <p:txBody>
+          <a:bodyPr rtlCol="0" anchor="ctr"/>
+          <a:lstStyle/>
+          <a:p>
+            <a:pPr algn="ctr"/>
+            <a:r>
+              <a:rPr lang="en-US" altLang="ko-KR" sz="1100"/>
+              <a:t>/dev/nvme0n1</a:t>
+            </a:r>
+          </a:p>
+          <a:p>
+            <a:pPr algn="ctr"/>
+            <a:r>
+              <a:rPr lang="en-US" altLang="ko-KR" sz="1100" b="1"/>
+              <a:t>OSD Block</a:t>
+            </a:r>
+          </a:p>
+        </p:txBody>
+      </p:sp>
+      <p:sp>
+        <p:nvSpPr>
+          <p:cNvPr id="38" name="모서리가 둥근 직사각형 23">
+            <a:extLst>
+              <a:ext uri="{FF2B5EF4-FFF2-40B4-BE49-F238E27FC236}">
+                <a16:creationId xmlns:a16="http://schemas.microsoft.com/office/drawing/2014/main" id="{544414D2-2C9C-4BF3-BAC2-BB2A14BBD98F}"/>
+              </a:ext>
+            </a:extLst>
+          </p:cNvPr>
+          <p:cNvSpPr/>
+          <p:nvPr/>
+        </p:nvSpPr>
+        <p:spPr>
+          <a:xfrm>
+            <a:off x="2002416" y="1959681"/>
+            <a:ext cx="1150220" cy="504056"/>
+          </a:xfrm>
+          <a:prstGeom prst="roundRect">
+            <a:avLst>
+              <a:gd name="adj" fmla="val 11578"/>
+            </a:avLst>
+          </a:prstGeom>
+          <a:noFill/>
+        </p:spPr>
+        <p:style>
+          <a:lnRef idx="2">
+            <a:schemeClr val="dk1"/>
+          </a:lnRef>
+          <a:fillRef idx="1">
+            <a:schemeClr val="lt1"/>
+          </a:fillRef>
+          <a:effectRef idx="0">
+            <a:schemeClr val="dk1"/>
+          </a:effectRef>
+          <a:fontRef idx="minor">
+            <a:schemeClr val="dk1"/>
+          </a:fontRef>
+        </p:style>
+        <p:txBody>
+          <a:bodyPr rtlCol="0" anchor="ctr"/>
+          <a:lstStyle/>
+          <a:p>
+            <a:pPr algn="ctr"/>
+            <a:r>
+              <a:rPr lang="en-US" altLang="ko-KR" sz="1100"/>
+              <a:t>/dev/nvme0n1</a:t>
+            </a:r>
+          </a:p>
+          <a:p>
+            <a:pPr algn="ctr"/>
+            <a:r>
+              <a:rPr lang="en-US" altLang="ko-KR" sz="1100" b="1"/>
+              <a:t>OSD Block</a:t>
+            </a:r>
+          </a:p>
+        </p:txBody>
+      </p:sp>
+    </p:spTree>
+    <p:extLst>
+      <p:ext uri="{BB962C8B-B14F-4D97-AF65-F5344CB8AC3E}">
+        <p14:creationId xmlns:p14="http://schemas.microsoft.com/office/powerpoint/2010/main" val="280792512"/>
+      </p:ext>
+    </p:extLst>
+  </p:cSld>
+  <p:clrMapOvr>
+    <a:masterClrMapping/>
+  </p:clrMapOvr>
+</p:sld>
+</file>
+
+<file path=ppt/slides/slide2.xml><?xml version="1.0" encoding="utf-8"?>
+<p:sld xmlns:a="http://schemas.openxmlformats.org/drawingml/2006/main" xmlns:r="http://schemas.openxmlformats.org/officeDocument/2006/relationships" xmlns:p="http://schemas.openxmlformats.org/presentationml/2006/main">
+  <p:cSld>
+    <p:spTree>
+      <p:nvGrpSpPr>
+        <p:cNvPr id="1" name=""/>
+        <p:cNvGrpSpPr/>
+        <p:nvPr/>
+      </p:nvGrpSpPr>
+      <p:grpSpPr>
+        <a:xfrm>
+          <a:off x="0" y="0"/>
+          <a:ext cx="0" cy="0"/>
+          <a:chOff x="0" y="0"/>
+          <a:chExt cx="0" cy="0"/>
+        </a:xfrm>
+      </p:grpSpPr>
+    </p:spTree>
+    <p:extLst>
+      <p:ext uri="{BB962C8B-B14F-4D97-AF65-F5344CB8AC3E}">
+        <p14:creationId xmlns:p14="http://schemas.microsoft.com/office/powerpoint/2010/main" val="1289795377"/>
+      </p:ext>
+    </p:extLst>
+  </p:cSld>
+  <p:clrMapOvr>
+    <a:masterClrMapping/>
+  </p:clrMapOvr>
+</p:sld>
+</file>
+
+<file path=ppt/slides/slide3.xml><?xml version="1.0" encoding="utf-8"?>
 <p:sld xmlns:a="http://schemas.openxmlformats.org/drawingml/2006/main" xmlns:r="http://schemas.openxmlformats.org/officeDocument/2006/relationships" xmlns:p="http://schemas.openxmlformats.org/presentationml/2006/main">
   <p:cSld>
     <p:spTree>

--- a/images/record/OpenStack_Rocky_Install_Kolla-Ansible_Ubuntu_18.04_ODROID-H2_Cluster/OpenStack_Rocky_Install_Ansible_Ubuntu_18.04_ODROID-H2_Cluster.pptx
+++ b/images/record/OpenStack_Rocky_Install_Kolla-Ansible_Ubuntu_18.04_ODROID-H2_Cluster/OpenStack_Rocky_Install_Ansible_Ubuntu_18.04_ODROID-H2_Cluster.pptx
@@ -4573,8 +4573,8 @@
           <a:p>
             <a:pPr algn="ctr"/>
             <a:r>
-              <a:rPr lang="en-US" altLang="ko-KR" sz="1100"/>
-              <a:t>192.168.0.30</a:t>
+              <a:rPr lang="en-US" altLang="ko-KR" sz="950"/>
+              <a:t>enx88366cf9f9ed</a:t>
             </a:r>
           </a:p>
         </p:txBody>
